--- a/présentaiton.pptx
+++ b/présentaiton.pptx
@@ -259,7 +259,7 @@
           <a:p>
             <a:fld id="{754EDA1E-F64F-4D11-800F-A34C01F68591}" type="datetimeFigureOut">
               <a:rPr lang="fr-FR" smtClean="0"/>
-              <a:t>19/03/2025</a:t>
+              <a:t>20/03/2025</a:t>
             </a:fld>
             <a:endParaRPr lang="fr-FR"/>
           </a:p>
@@ -313,7 +313,7 @@
           <a:p>
             <a:fld id="{DE5FFDEB-29A9-422A-819E-F6899C12A803}" type="slidenum">
               <a:rPr lang="fr-FR" smtClean="0"/>
-              <a:t>‹N°›</a:t>
+              <a:t>‹#›</a:t>
             </a:fld>
             <a:endParaRPr lang="fr-FR"/>
           </a:p>
@@ -457,7 +457,7 @@
           <a:p>
             <a:fld id="{754EDA1E-F64F-4D11-800F-A34C01F68591}" type="datetimeFigureOut">
               <a:rPr lang="fr-FR" smtClean="0"/>
-              <a:t>19/03/2025</a:t>
+              <a:t>20/03/2025</a:t>
             </a:fld>
             <a:endParaRPr lang="fr-FR"/>
           </a:p>
@@ -511,7 +511,7 @@
           <a:p>
             <a:fld id="{DE5FFDEB-29A9-422A-819E-F6899C12A803}" type="slidenum">
               <a:rPr lang="fr-FR" smtClean="0"/>
-              <a:t>‹N°›</a:t>
+              <a:t>‹#›</a:t>
             </a:fld>
             <a:endParaRPr lang="fr-FR"/>
           </a:p>
@@ -665,7 +665,7 @@
           <a:p>
             <a:fld id="{754EDA1E-F64F-4D11-800F-A34C01F68591}" type="datetimeFigureOut">
               <a:rPr lang="fr-FR" smtClean="0"/>
-              <a:t>19/03/2025</a:t>
+              <a:t>20/03/2025</a:t>
             </a:fld>
             <a:endParaRPr lang="fr-FR"/>
           </a:p>
@@ -719,7 +719,7 @@
           <a:p>
             <a:fld id="{DE5FFDEB-29A9-422A-819E-F6899C12A803}" type="slidenum">
               <a:rPr lang="fr-FR" smtClean="0"/>
-              <a:t>‹N°›</a:t>
+              <a:t>‹#›</a:t>
             </a:fld>
             <a:endParaRPr lang="fr-FR"/>
           </a:p>
@@ -863,7 +863,7 @@
           <a:p>
             <a:fld id="{754EDA1E-F64F-4D11-800F-A34C01F68591}" type="datetimeFigureOut">
               <a:rPr lang="fr-FR" smtClean="0"/>
-              <a:t>19/03/2025</a:t>
+              <a:t>20/03/2025</a:t>
             </a:fld>
             <a:endParaRPr lang="fr-FR"/>
           </a:p>
@@ -917,7 +917,7 @@
           <a:p>
             <a:fld id="{DE5FFDEB-29A9-422A-819E-F6899C12A803}" type="slidenum">
               <a:rPr lang="fr-FR" smtClean="0"/>
-              <a:t>‹N°›</a:t>
+              <a:t>‹#›</a:t>
             </a:fld>
             <a:endParaRPr lang="fr-FR"/>
           </a:p>
@@ -1138,7 +1138,7 @@
           <a:p>
             <a:fld id="{754EDA1E-F64F-4D11-800F-A34C01F68591}" type="datetimeFigureOut">
               <a:rPr lang="fr-FR" smtClean="0"/>
-              <a:t>19/03/2025</a:t>
+              <a:t>20/03/2025</a:t>
             </a:fld>
             <a:endParaRPr lang="fr-FR"/>
           </a:p>
@@ -1192,7 +1192,7 @@
           <a:p>
             <a:fld id="{DE5FFDEB-29A9-422A-819E-F6899C12A803}" type="slidenum">
               <a:rPr lang="fr-FR" smtClean="0"/>
-              <a:t>‹N°›</a:t>
+              <a:t>‹#›</a:t>
             </a:fld>
             <a:endParaRPr lang="fr-FR"/>
           </a:p>
@@ -1403,7 +1403,7 @@
           <a:p>
             <a:fld id="{754EDA1E-F64F-4D11-800F-A34C01F68591}" type="datetimeFigureOut">
               <a:rPr lang="fr-FR" smtClean="0"/>
-              <a:t>19/03/2025</a:t>
+              <a:t>20/03/2025</a:t>
             </a:fld>
             <a:endParaRPr lang="fr-FR"/>
           </a:p>
@@ -1457,7 +1457,7 @@
           <a:p>
             <a:fld id="{DE5FFDEB-29A9-422A-819E-F6899C12A803}" type="slidenum">
               <a:rPr lang="fr-FR" smtClean="0"/>
-              <a:t>‹N°›</a:t>
+              <a:t>‹#›</a:t>
             </a:fld>
             <a:endParaRPr lang="fr-FR"/>
           </a:p>
@@ -1815,7 +1815,7 @@
           <a:p>
             <a:fld id="{754EDA1E-F64F-4D11-800F-A34C01F68591}" type="datetimeFigureOut">
               <a:rPr lang="fr-FR" smtClean="0"/>
-              <a:t>19/03/2025</a:t>
+              <a:t>20/03/2025</a:t>
             </a:fld>
             <a:endParaRPr lang="fr-FR"/>
           </a:p>
@@ -1869,7 +1869,7 @@
           <a:p>
             <a:fld id="{DE5FFDEB-29A9-422A-819E-F6899C12A803}" type="slidenum">
               <a:rPr lang="fr-FR" smtClean="0"/>
-              <a:t>‹N°›</a:t>
+              <a:t>‹#›</a:t>
             </a:fld>
             <a:endParaRPr lang="fr-FR"/>
           </a:p>
@@ -1956,7 +1956,7 @@
           <a:p>
             <a:fld id="{754EDA1E-F64F-4D11-800F-A34C01F68591}" type="datetimeFigureOut">
               <a:rPr lang="fr-FR" smtClean="0"/>
-              <a:t>19/03/2025</a:t>
+              <a:t>20/03/2025</a:t>
             </a:fld>
             <a:endParaRPr lang="fr-FR"/>
           </a:p>
@@ -2010,7 +2010,7 @@
           <a:p>
             <a:fld id="{DE5FFDEB-29A9-422A-819E-F6899C12A803}" type="slidenum">
               <a:rPr lang="fr-FR" smtClean="0"/>
-              <a:t>‹N°›</a:t>
+              <a:t>‹#›</a:t>
             </a:fld>
             <a:endParaRPr lang="fr-FR"/>
           </a:p>
@@ -2069,7 +2069,7 @@
           <a:p>
             <a:fld id="{754EDA1E-F64F-4D11-800F-A34C01F68591}" type="datetimeFigureOut">
               <a:rPr lang="fr-FR" smtClean="0"/>
-              <a:t>19/03/2025</a:t>
+              <a:t>20/03/2025</a:t>
             </a:fld>
             <a:endParaRPr lang="fr-FR"/>
           </a:p>
@@ -2123,7 +2123,7 @@
           <a:p>
             <a:fld id="{DE5FFDEB-29A9-422A-819E-F6899C12A803}" type="slidenum">
               <a:rPr lang="fr-FR" smtClean="0"/>
-              <a:t>‹N°›</a:t>
+              <a:t>‹#›</a:t>
             </a:fld>
             <a:endParaRPr lang="fr-FR"/>
           </a:p>
@@ -2380,7 +2380,7 @@
           <a:p>
             <a:fld id="{754EDA1E-F64F-4D11-800F-A34C01F68591}" type="datetimeFigureOut">
               <a:rPr lang="fr-FR" smtClean="0"/>
-              <a:t>19/03/2025</a:t>
+              <a:t>20/03/2025</a:t>
             </a:fld>
             <a:endParaRPr lang="fr-FR"/>
           </a:p>
@@ -2434,7 +2434,7 @@
           <a:p>
             <a:fld id="{DE5FFDEB-29A9-422A-819E-F6899C12A803}" type="slidenum">
               <a:rPr lang="fr-FR" smtClean="0"/>
-              <a:t>‹N°›</a:t>
+              <a:t>‹#›</a:t>
             </a:fld>
             <a:endParaRPr lang="fr-FR"/>
           </a:p>
@@ -2668,7 +2668,7 @@
           <a:p>
             <a:fld id="{754EDA1E-F64F-4D11-800F-A34C01F68591}" type="datetimeFigureOut">
               <a:rPr lang="fr-FR" smtClean="0"/>
-              <a:t>19/03/2025</a:t>
+              <a:t>20/03/2025</a:t>
             </a:fld>
             <a:endParaRPr lang="fr-FR"/>
           </a:p>
@@ -2722,7 +2722,7 @@
           <a:p>
             <a:fld id="{DE5FFDEB-29A9-422A-819E-F6899C12A803}" type="slidenum">
               <a:rPr lang="fr-FR" smtClean="0"/>
-              <a:t>‹N°›</a:t>
+              <a:t>‹#›</a:t>
             </a:fld>
             <a:endParaRPr lang="fr-FR"/>
           </a:p>
@@ -2909,7 +2909,7 @@
           <a:p>
             <a:fld id="{754EDA1E-F64F-4D11-800F-A34C01F68591}" type="datetimeFigureOut">
               <a:rPr lang="fr-FR" smtClean="0"/>
-              <a:t>19/03/2025</a:t>
+              <a:t>20/03/2025</a:t>
             </a:fld>
             <a:endParaRPr lang="fr-FR"/>
           </a:p>
@@ -2999,7 +2999,7 @@
           <a:p>
             <a:fld id="{DE5FFDEB-29A9-422A-819E-F6899C12A803}" type="slidenum">
               <a:rPr lang="fr-FR" smtClean="0"/>
-              <a:t>‹N°›</a:t>
+              <a:t>‹#›</a:t>
             </a:fld>
             <a:endParaRPr lang="fr-FR"/>
           </a:p>
@@ -3354,6 +3354,10 @@
           </a:bodyPr>
           <a:lstStyle/>
           <a:p>
+            <a:r>
+              <a:rPr lang="fr-FR" sz="4000"/>
+              <a:t>Henri</a:t>
+            </a:r>
             <a:endParaRPr lang="fr-FR" sz="4000" dirty="0"/>
           </a:p>
         </p:txBody>
